--- a/PowerPoint/Presentation_Final.pptx
+++ b/PowerPoint/Presentation_Final.pptx
@@ -5,61 +5,62 @@
     <p:sldMasterId id="2147483658" r:id="rId1"/>
   </p:sldMasterIdLst>
   <p:notesMasterIdLst>
-    <p:notesMasterId r:id="rId23"/>
+    <p:notesMasterId r:id="rId24"/>
   </p:notesMasterIdLst>
   <p:sldIdLst>
     <p:sldId id="256" r:id="rId2"/>
     <p:sldId id="258" r:id="rId3"/>
-    <p:sldId id="259" r:id="rId4"/>
-    <p:sldId id="285" r:id="rId5"/>
-    <p:sldId id="286" r:id="rId6"/>
-    <p:sldId id="287" r:id="rId7"/>
-    <p:sldId id="288" r:id="rId8"/>
-    <p:sldId id="289" r:id="rId9"/>
-    <p:sldId id="290" r:id="rId10"/>
-    <p:sldId id="291" r:id="rId11"/>
-    <p:sldId id="292" r:id="rId12"/>
-    <p:sldId id="293" r:id="rId13"/>
-    <p:sldId id="294" r:id="rId14"/>
-    <p:sldId id="295" r:id="rId15"/>
-    <p:sldId id="296" r:id="rId16"/>
-    <p:sldId id="297" r:id="rId17"/>
-    <p:sldId id="284" r:id="rId18"/>
-    <p:sldId id="277" r:id="rId19"/>
-    <p:sldId id="268" r:id="rId20"/>
-    <p:sldId id="266" r:id="rId21"/>
-    <p:sldId id="278" r:id="rId22"/>
+    <p:sldId id="298" r:id="rId4"/>
+    <p:sldId id="259" r:id="rId5"/>
+    <p:sldId id="285" r:id="rId6"/>
+    <p:sldId id="286" r:id="rId7"/>
+    <p:sldId id="287" r:id="rId8"/>
+    <p:sldId id="288" r:id="rId9"/>
+    <p:sldId id="289" r:id="rId10"/>
+    <p:sldId id="290" r:id="rId11"/>
+    <p:sldId id="291" r:id="rId12"/>
+    <p:sldId id="292" r:id="rId13"/>
+    <p:sldId id="293" r:id="rId14"/>
+    <p:sldId id="294" r:id="rId15"/>
+    <p:sldId id="295" r:id="rId16"/>
+    <p:sldId id="296" r:id="rId17"/>
+    <p:sldId id="297" r:id="rId18"/>
+    <p:sldId id="284" r:id="rId19"/>
+    <p:sldId id="277" r:id="rId20"/>
+    <p:sldId id="268" r:id="rId21"/>
+    <p:sldId id="266" r:id="rId22"/>
+    <p:sldId id="278" r:id="rId23"/>
   </p:sldIdLst>
   <p:sldSz cx="9144000" cy="5143500" type="screen16x9"/>
   <p:notesSz cx="6858000" cy="9144000"/>
   <p:embeddedFontLst>
     <p:embeddedFont>
       <p:font typeface="Calibri" panose="020F0502020204030204" pitchFamily="34" charset="0"/>
-      <p:regular r:id="rId24"/>
-      <p:bold r:id="rId25"/>
-      <p:italic r:id="rId26"/>
-      <p:boldItalic r:id="rId27"/>
+      <p:regular r:id="rId25"/>
+      <p:bold r:id="rId26"/>
+      <p:italic r:id="rId27"/>
+      <p:boldItalic r:id="rId28"/>
     </p:embeddedFont>
     <p:embeddedFont>
       <p:font typeface="Montserrat" panose="020B0604020202020204" charset="0"/>
-      <p:regular r:id="rId28"/>
-      <p:bold r:id="rId29"/>
-      <p:italic r:id="rId30"/>
-      <p:boldItalic r:id="rId31"/>
+      <p:regular r:id="rId29"/>
+      <p:bold r:id="rId30"/>
+      <p:italic r:id="rId31"/>
+      <p:boldItalic r:id="rId32"/>
     </p:embeddedFont>
     <p:embeddedFont>
       <p:font typeface="Montserrat Light" panose="020B0604020202020204" charset="0"/>
-      <p:regular r:id="rId32"/>
-      <p:bold r:id="rId33"/>
-      <p:italic r:id="rId34"/>
-      <p:boldItalic r:id="rId35"/>
+      <p:regular r:id="rId33"/>
+      <p:bold r:id="rId34"/>
+      <p:italic r:id="rId35"/>
+      <p:boldItalic r:id="rId36"/>
     </p:embeddedFont>
     <p:embeddedFont>
       <p:font typeface="Poppins" panose="020B0604020202020204" charset="0"/>
-      <p:regular r:id="rId36"/>
-      <p:bold r:id="rId37"/>
-      <p:italic r:id="rId38"/>
-      <p:boldItalic r:id="rId39"/>
+      <p:regular r:id="rId37"/>
+      <p:bold r:id="rId38"/>
+      <p:italic r:id="rId39"/>
+      <p:boldItalic r:id="rId40"/>
     </p:embeddedFont>
   </p:embeddedFontLst>
   <p:defaultTextStyle>
@@ -1590,7 +1591,7 @@
               </a:spcAft>
               <a:buNone/>
             </a:pPr>
-            <a:endParaRPr/>
+            <a:endParaRPr dirty="0"/>
           </a:p>
         </p:txBody>
       </p:sp>
@@ -2432,7 +2433,7 @@
               </a:spcAft>
               <a:buNone/>
             </a:pPr>
-            <a:endParaRPr/>
+            <a:endParaRPr dirty="0"/>
           </a:p>
         </p:txBody>
       </p:sp>
@@ -8705,6 +8706,159 @@
             <a:gs pos="0">
               <a:srgbClr val="D3C3E3"/>
             </a:gs>
+            <a:gs pos="44000">
+              <a:schemeClr val="lt2"/>
+            </a:gs>
+            <a:gs pos="72000">
+              <a:schemeClr val="lt2"/>
+            </a:gs>
+            <a:gs pos="100000">
+              <a:srgbClr val="7030A0"/>
+            </a:gs>
+          </a:gsLst>
+          <a:path path="circle">
+            <a:fillToRect r="100000" b="100000"/>
+          </a:path>
+          <a:tileRect l="-100000" t="-100000"/>
+        </a:gradFill>
+        <a:effectLst/>
+      </p:bgPr>
+    </p:bg>
+    <p:spTree>
+      <p:nvGrpSpPr>
+        <p:cNvPr id="1" name="Shape 332"/>
+        <p:cNvGrpSpPr/>
+        <p:nvPr/>
+      </p:nvGrpSpPr>
+      <p:grpSpPr>
+        <a:xfrm>
+          <a:off x="0" y="0"/>
+          <a:ext cx="0" cy="0"/>
+          <a:chOff x="0" y="0"/>
+          <a:chExt cx="0" cy="0"/>
+        </a:xfrm>
+      </p:grpSpPr>
+      <p:sp>
+        <p:nvSpPr>
+          <p:cNvPr id="333" name="Google Shape;333;p15"/>
+          <p:cNvSpPr txBox="1">
+            <a:spLocks noGrp="1"/>
+          </p:cNvSpPr>
+          <p:nvPr>
+            <p:ph type="ctrTitle"/>
+          </p:nvPr>
+        </p:nvSpPr>
+        <p:spPr>
+          <a:xfrm>
+            <a:off x="2027625" y="1629397"/>
+            <a:ext cx="5088600" cy="1159800"/>
+          </a:xfrm>
+          <a:prstGeom prst="rect">
+            <a:avLst/>
+          </a:prstGeom>
+        </p:spPr>
+        <p:txBody>
+          <a:bodyPr spcFirstLastPara="1" wrap="square" lIns="0" tIns="0" rIns="0" bIns="0" anchor="b" anchorCtr="0">
+            <a:noAutofit/>
+          </a:bodyPr>
+          <a:lstStyle/>
+          <a:p>
+            <a:pPr marL="0" lvl="0" indent="0" algn="l" rtl="0">
+              <a:spcBef>
+                <a:spcPts val="0"/>
+              </a:spcBef>
+              <a:spcAft>
+                <a:spcPts val="0"/>
+              </a:spcAft>
+              <a:buNone/>
+            </a:pPr>
+            <a:r>
+              <a:rPr lang="en" dirty="0">
+                <a:solidFill>
+                  <a:schemeClr val="accent2"/>
+                </a:solidFill>
+              </a:rPr>
+              <a:t>4.</a:t>
+            </a:r>
+            <a:endParaRPr lang="en-US" dirty="0">
+              <a:solidFill>
+                <a:schemeClr val="accent2"/>
+              </a:solidFill>
+            </a:endParaRPr>
+          </a:p>
+          <a:p>
+            <a:pPr marL="0" lvl="0" indent="0" algn="l" rtl="0">
+              <a:spcBef>
+                <a:spcPts val="0"/>
+              </a:spcBef>
+              <a:spcAft>
+                <a:spcPts val="0"/>
+              </a:spcAft>
+              <a:buNone/>
+            </a:pPr>
+            <a:r>
+              <a:rPr lang="en-US" dirty="0"/>
+              <a:t>ACCESS TO ELECTRICITY</a:t>
+            </a:r>
+          </a:p>
+        </p:txBody>
+      </p:sp>
+      <p:sp>
+        <p:nvSpPr>
+          <p:cNvPr id="334" name="Google Shape;334;p15"/>
+          <p:cNvSpPr txBox="1">
+            <a:spLocks noGrp="1"/>
+          </p:cNvSpPr>
+          <p:nvPr>
+            <p:ph type="subTitle" idx="1"/>
+          </p:nvPr>
+        </p:nvSpPr>
+        <p:spPr>
+          <a:xfrm>
+            <a:off x="2027625" y="2886101"/>
+            <a:ext cx="5088600" cy="784800"/>
+          </a:xfrm>
+          <a:prstGeom prst="rect">
+            <a:avLst/>
+          </a:prstGeom>
+        </p:spPr>
+        <p:txBody>
+          <a:bodyPr spcFirstLastPara="1" wrap="square" lIns="0" tIns="0" rIns="0" bIns="0" anchor="t" anchorCtr="0">
+            <a:noAutofit/>
+          </a:bodyPr>
+          <a:lstStyle/>
+          <a:p>
+            <a:pPr marL="0" lvl="0" indent="0"/>
+            <a:r>
+              <a:rPr lang="en-US" dirty="0"/>
+              <a:t>Access to electricity (% of population)</a:t>
+            </a:r>
+          </a:p>
+        </p:txBody>
+      </p:sp>
+    </p:spTree>
+    <p:extLst>
+      <p:ext uri="{BB962C8B-B14F-4D97-AF65-F5344CB8AC3E}">
+        <p14:creationId xmlns:p14="http://schemas.microsoft.com/office/powerpoint/2010/main" val="243479650"/>
+      </p:ext>
+    </p:extLst>
+  </p:cSld>
+  <p:clrMapOvr>
+    <a:masterClrMapping/>
+  </p:clrMapOvr>
+</p:sld>
+</file>
+
+<file path=ppt/slides/slide11.xml><?xml version="1.0" encoding="utf-8"?>
+<p:sld xmlns:a="http://schemas.openxmlformats.org/drawingml/2006/main" xmlns:r="http://schemas.openxmlformats.org/officeDocument/2006/relationships" xmlns:p="http://schemas.openxmlformats.org/presentationml/2006/main">
+  <p:cSld>
+    <p:bg>
+      <p:bgPr>
+        <a:gradFill>
+          <a:gsLst>
+            <a:gs pos="0">
+              <a:srgbClr val="D3C3E3"/>
+            </a:gs>
             <a:gs pos="62000">
               <a:srgbClr val="CCD4EB"/>
             </a:gs>
@@ -9272,7 +9426,7 @@
             </a:pPr>
             <a:fld id="{00000000-1234-1234-1234-123412341234}" type="slidenum">
               <a:rPr lang="en"/>
-              <a:t>10</a:t>
+              <a:t>11</a:t>
             </a:fld>
             <a:endParaRPr/>
           </a:p>
@@ -9404,7 +9558,7 @@
 </p:sld>
 </file>
 
-<file path=ppt/slides/slide11.xml><?xml version="1.0" encoding="utf-8"?>
+<file path=ppt/slides/slide12.xml><?xml version="1.0" encoding="utf-8"?>
 <p:sld xmlns:a="http://schemas.openxmlformats.org/drawingml/2006/main" xmlns:r="http://schemas.openxmlformats.org/officeDocument/2006/relationships" xmlns:p="http://schemas.openxmlformats.org/presentationml/2006/main">
   <p:cSld>
     <p:bg>
@@ -9557,7 +9711,7 @@
 </p:sld>
 </file>
 
-<file path=ppt/slides/slide12.xml><?xml version="1.0" encoding="utf-8"?>
+<file path=ppt/slides/slide13.xml><?xml version="1.0" encoding="utf-8"?>
 <p:sld xmlns:a="http://schemas.openxmlformats.org/drawingml/2006/main" xmlns:r="http://schemas.openxmlformats.org/officeDocument/2006/relationships" xmlns:p="http://schemas.openxmlformats.org/presentationml/2006/main">
   <p:cSld>
     <p:bg>
@@ -10134,7 +10288,7 @@
             </a:pPr>
             <a:fld id="{00000000-1234-1234-1234-123412341234}" type="slidenum">
               <a:rPr lang="en"/>
-              <a:t>12</a:t>
+              <a:t>13</a:t>
             </a:fld>
             <a:endParaRPr/>
           </a:p>
@@ -10266,7 +10420,7 @@
 </p:sld>
 </file>
 
-<file path=ppt/slides/slide13.xml><?xml version="1.0" encoding="utf-8"?>
+<file path=ppt/slides/slide14.xml><?xml version="1.0" encoding="utf-8"?>
 <p:sld xmlns:a="http://schemas.openxmlformats.org/drawingml/2006/main" xmlns:r="http://schemas.openxmlformats.org/officeDocument/2006/relationships" xmlns:p="http://schemas.openxmlformats.org/presentationml/2006/main">
   <p:cSld>
     <p:bg>
@@ -10419,7 +10573,7 @@
 </p:sld>
 </file>
 
-<file path=ppt/slides/slide14.xml><?xml version="1.0" encoding="utf-8"?>
+<file path=ppt/slides/slide15.xml><?xml version="1.0" encoding="utf-8"?>
 <p:sld xmlns:a="http://schemas.openxmlformats.org/drawingml/2006/main" xmlns:r="http://schemas.openxmlformats.org/officeDocument/2006/relationships" xmlns:p="http://schemas.openxmlformats.org/presentationml/2006/main">
   <p:cSld>
     <p:bg>
@@ -10998,7 +11152,7 @@
             </a:pPr>
             <a:fld id="{00000000-1234-1234-1234-123412341234}" type="slidenum">
               <a:rPr lang="en"/>
-              <a:t>14</a:t>
+              <a:t>15</a:t>
             </a:fld>
             <a:endParaRPr/>
           </a:p>
@@ -11130,7 +11284,7 @@
 </p:sld>
 </file>
 
-<file path=ppt/slides/slide15.xml><?xml version="1.0" encoding="utf-8"?>
+<file path=ppt/slides/slide16.xml><?xml version="1.0" encoding="utf-8"?>
 <p:sld xmlns:a="http://schemas.openxmlformats.org/drawingml/2006/main" xmlns:r="http://schemas.openxmlformats.org/officeDocument/2006/relationships" xmlns:p="http://schemas.openxmlformats.org/presentationml/2006/main">
   <p:cSld>
     <p:bg>
@@ -11283,7 +11437,7 @@
 </p:sld>
 </file>
 
-<file path=ppt/slides/slide16.xml><?xml version="1.0" encoding="utf-8"?>
+<file path=ppt/slides/slide17.xml><?xml version="1.0" encoding="utf-8"?>
 <p:sld xmlns:a="http://schemas.openxmlformats.org/drawingml/2006/main" xmlns:r="http://schemas.openxmlformats.org/officeDocument/2006/relationships" xmlns:p="http://schemas.openxmlformats.org/presentationml/2006/main">
   <p:cSld>
     <p:bg>
@@ -11860,7 +12014,7 @@
             </a:pPr>
             <a:fld id="{00000000-1234-1234-1234-123412341234}" type="slidenum">
               <a:rPr lang="en"/>
-              <a:t>16</a:t>
+              <a:t>17</a:t>
             </a:fld>
             <a:endParaRPr/>
           </a:p>
@@ -11907,7 +12061,7 @@
                 <a:cs typeface="Poppins"/>
                 <a:sym typeface="Poppins"/>
               </a:rPr>
-              <a:t>CO2 Emissions &amp; Life Expectancy</a:t>
+              <a:t>Undernourished  &amp; Life Expectancy</a:t>
             </a:r>
             <a:endParaRPr lang="en-US" sz="1200" dirty="0"/>
           </a:p>
@@ -11992,7 +12146,7 @@
 </p:sld>
 </file>
 
-<file path=ppt/slides/slide17.xml><?xml version="1.0" encoding="utf-8"?>
+<file path=ppt/slides/slide18.xml><?xml version="1.0" encoding="utf-8"?>
 <p:sld xmlns:a="http://schemas.openxmlformats.org/drawingml/2006/main" xmlns:r="http://schemas.openxmlformats.org/officeDocument/2006/relationships" xmlns:p="http://schemas.openxmlformats.org/presentationml/2006/main">
   <p:cSld>
     <p:bg>
@@ -12154,7 +12308,7 @@
 </p:sld>
 </file>
 
-<file path=ppt/slides/slide18.xml><?xml version="1.0" encoding="utf-8"?>
+<file path=ppt/slides/slide19.xml><?xml version="1.0" encoding="utf-8"?>
 <p:sld xmlns:a="http://schemas.openxmlformats.org/drawingml/2006/main" xmlns:r="http://schemas.openxmlformats.org/officeDocument/2006/relationships" xmlns:p="http://schemas.openxmlformats.org/presentationml/2006/main">
   <p:cSld>
     <p:bg>
@@ -12731,7 +12885,7 @@
             </a:pPr>
             <a:fld id="{00000000-1234-1234-1234-123412341234}" type="slidenum">
               <a:rPr lang="en"/>
-              <a:t>18</a:t>
+              <a:t>19</a:t>
             </a:fld>
             <a:endParaRPr/>
           </a:p>
@@ -12859,7 +13013,275 @@
 </p:sld>
 </file>
 
-<file path=ppt/slides/slide19.xml><?xml version="1.0" encoding="utf-8"?>
+<file path=ppt/slides/slide2.xml><?xml version="1.0" encoding="utf-8"?>
+<p:sld xmlns:a="http://schemas.openxmlformats.org/drawingml/2006/main" xmlns:r="http://schemas.openxmlformats.org/officeDocument/2006/relationships" xmlns:p="http://schemas.openxmlformats.org/presentationml/2006/main">
+  <p:cSld>
+    <p:spTree>
+      <p:nvGrpSpPr>
+        <p:cNvPr id="1" name="Shape 324"/>
+        <p:cNvGrpSpPr/>
+        <p:nvPr/>
+      </p:nvGrpSpPr>
+      <p:grpSpPr>
+        <a:xfrm>
+          <a:off x="0" y="0"/>
+          <a:ext cx="0" cy="0"/>
+          <a:chOff x="0" y="0"/>
+          <a:chExt cx="0" cy="0"/>
+        </a:xfrm>
+      </p:grpSpPr>
+      <p:sp>
+        <p:nvSpPr>
+          <p:cNvPr id="325" name="Google Shape;325;p14"/>
+          <p:cNvSpPr txBox="1">
+            <a:spLocks noGrp="1"/>
+          </p:cNvSpPr>
+          <p:nvPr>
+            <p:ph type="ctrTitle" idx="4294967295"/>
+          </p:nvPr>
+        </p:nvSpPr>
+        <p:spPr>
+          <a:xfrm>
+            <a:off x="1313736" y="1167942"/>
+            <a:ext cx="4725000" cy="861900"/>
+          </a:xfrm>
+          <a:prstGeom prst="rect">
+            <a:avLst/>
+          </a:prstGeom>
+        </p:spPr>
+        <p:txBody>
+          <a:bodyPr spcFirstLastPara="1" wrap="square" lIns="0" tIns="0" rIns="0" bIns="0" anchor="t" anchorCtr="0">
+            <a:noAutofit/>
+          </a:bodyPr>
+          <a:lstStyle/>
+          <a:p>
+            <a:pPr marL="0" lvl="0" indent="0" algn="l" rtl="0">
+              <a:spcBef>
+                <a:spcPts val="0"/>
+              </a:spcBef>
+              <a:spcAft>
+                <a:spcPts val="0"/>
+              </a:spcAft>
+              <a:buNone/>
+            </a:pPr>
+            <a:r>
+              <a:rPr lang="en" sz="7200" dirty="0">
+                <a:solidFill>
+                  <a:schemeClr val="accent2"/>
+                </a:solidFill>
+              </a:rPr>
+              <a:t>HELLO!</a:t>
+            </a:r>
+            <a:endParaRPr sz="7200" dirty="0">
+              <a:solidFill>
+                <a:schemeClr val="accent2"/>
+              </a:solidFill>
+            </a:endParaRPr>
+          </a:p>
+        </p:txBody>
+      </p:sp>
+      <p:sp>
+        <p:nvSpPr>
+          <p:cNvPr id="326" name="Google Shape;326;p14"/>
+          <p:cNvSpPr txBox="1">
+            <a:spLocks noGrp="1"/>
+          </p:cNvSpPr>
+          <p:nvPr>
+            <p:ph type="subTitle" idx="4294967295"/>
+          </p:nvPr>
+        </p:nvSpPr>
+        <p:spPr>
+          <a:xfrm>
+            <a:off x="1356746" y="2229002"/>
+            <a:ext cx="4725000" cy="2341200"/>
+          </a:xfrm>
+          <a:prstGeom prst="rect">
+            <a:avLst/>
+          </a:prstGeom>
+        </p:spPr>
+        <p:txBody>
+          <a:bodyPr spcFirstLastPara="1" wrap="square" lIns="0" tIns="0" rIns="0" bIns="0" anchor="t" anchorCtr="0">
+            <a:noAutofit/>
+          </a:bodyPr>
+          <a:lstStyle/>
+          <a:p>
+            <a:pPr marL="0" lvl="0" indent="0" algn="l" rtl="0">
+              <a:spcBef>
+                <a:spcPts val="600"/>
+              </a:spcBef>
+              <a:spcAft>
+                <a:spcPts val="0"/>
+              </a:spcAft>
+              <a:buNone/>
+            </a:pPr>
+            <a:r>
+              <a:rPr lang="en-US" b="1" dirty="0">
+                <a:latin typeface="Montserrat"/>
+                <a:ea typeface="Montserrat"/>
+                <a:cs typeface="Montserrat"/>
+                <a:sym typeface="Montserrat"/>
+              </a:rPr>
+              <a:t>Group Members:</a:t>
+            </a:r>
+          </a:p>
+          <a:p>
+            <a:pPr marL="0" lvl="0" indent="0" algn="l" rtl="0">
+              <a:spcBef>
+                <a:spcPts val="600"/>
+              </a:spcBef>
+              <a:spcAft>
+                <a:spcPts val="0"/>
+              </a:spcAft>
+              <a:buClr>
+                <a:schemeClr val="dk1"/>
+              </a:buClr>
+              <a:buSzPts val="1100"/>
+              <a:buFont typeface="Arial"/>
+              <a:buNone/>
+            </a:pPr>
+            <a:r>
+              <a:rPr lang="en-US" dirty="0"/>
+              <a:t>Tyler </a:t>
+            </a:r>
+            <a:r>
+              <a:rPr lang="en-US" dirty="0" err="1"/>
+              <a:t>Fasulo</a:t>
+            </a:r>
+            <a:endParaRPr lang="en-US" dirty="0"/>
+          </a:p>
+          <a:p>
+            <a:pPr marL="0" lvl="0" indent="0" algn="l" rtl="0">
+              <a:spcBef>
+                <a:spcPts val="600"/>
+              </a:spcBef>
+              <a:spcAft>
+                <a:spcPts val="0"/>
+              </a:spcAft>
+              <a:buClr>
+                <a:schemeClr val="dk1"/>
+              </a:buClr>
+              <a:buSzPts val="1100"/>
+              <a:buFont typeface="Arial"/>
+              <a:buNone/>
+            </a:pPr>
+            <a:r>
+              <a:rPr lang="en-US" dirty="0"/>
+              <a:t>Luan </a:t>
+            </a:r>
+            <a:r>
+              <a:rPr lang="en-US" dirty="0" err="1"/>
+              <a:t>Hajnaj</a:t>
+            </a:r>
+            <a:endParaRPr lang="en-US" dirty="0"/>
+          </a:p>
+          <a:p>
+            <a:pPr marL="0" lvl="0" indent="0" algn="l" rtl="0">
+              <a:spcBef>
+                <a:spcPts val="600"/>
+              </a:spcBef>
+              <a:spcAft>
+                <a:spcPts val="0"/>
+              </a:spcAft>
+              <a:buClr>
+                <a:schemeClr val="dk1"/>
+              </a:buClr>
+              <a:buSzPts val="1100"/>
+              <a:buFont typeface="Arial"/>
+              <a:buNone/>
+            </a:pPr>
+            <a:r>
+              <a:rPr lang="en-US" dirty="0"/>
+              <a:t>Paul Wolanski</a:t>
+            </a:r>
+          </a:p>
+        </p:txBody>
+      </p:sp>
+      <p:pic>
+        <p:nvPicPr>
+          <p:cNvPr id="327" name="Google Shape;327;p14" descr="photo-1434030216411-0b793f4b4173.jpg"/>
+          <p:cNvPicPr preferRelativeResize="0"/>
+          <p:nvPr/>
+        </p:nvPicPr>
+        <p:blipFill>
+          <a:blip r:embed="rId3">
+            <a:alphaModFix/>
+          </a:blip>
+          <a:stretch>
+            <a:fillRect/>
+          </a:stretch>
+        </p:blipFill>
+        <p:spPr>
+          <a:xfrm>
+            <a:off x="5720373" y="688148"/>
+            <a:ext cx="2055900" cy="2055900"/>
+          </a:xfrm>
+          <a:prstGeom prst="rect">
+            <a:avLst/>
+          </a:prstGeom>
+          <a:noFill/>
+          <a:ln>
+            <a:noFill/>
+          </a:ln>
+          <a:effectLst>
+            <a:outerShdw blurRad="171450" dist="57150" dir="5400000" algn="bl" rotWithShape="0">
+              <a:schemeClr val="dk1">
+                <a:alpha val="19000"/>
+              </a:schemeClr>
+            </a:outerShdw>
+          </a:effectLst>
+        </p:spPr>
+      </p:pic>
+      <p:sp>
+        <p:nvSpPr>
+          <p:cNvPr id="328" name="Google Shape;328;p14"/>
+          <p:cNvSpPr txBox="1">
+            <a:spLocks noGrp="1"/>
+          </p:cNvSpPr>
+          <p:nvPr>
+            <p:ph type="sldNum" idx="12"/>
+          </p:nvPr>
+        </p:nvSpPr>
+        <p:spPr>
+          <a:xfrm>
+            <a:off x="8729400" y="4734075"/>
+            <a:ext cx="414600" cy="409500"/>
+          </a:xfrm>
+          <a:prstGeom prst="rect">
+            <a:avLst/>
+          </a:prstGeom>
+        </p:spPr>
+        <p:txBody>
+          <a:bodyPr spcFirstLastPara="1" wrap="square" lIns="0" tIns="0" rIns="0" bIns="0" anchor="ctr" anchorCtr="0">
+            <a:noAutofit/>
+          </a:bodyPr>
+          <a:lstStyle/>
+          <a:p>
+            <a:pPr marL="0" lvl="0" indent="0" algn="ctr" rtl="0">
+              <a:spcBef>
+                <a:spcPts val="0"/>
+              </a:spcBef>
+              <a:spcAft>
+                <a:spcPts val="0"/>
+              </a:spcAft>
+              <a:buNone/>
+            </a:pPr>
+            <a:fld id="{00000000-1234-1234-1234-123412341234}" type="slidenum">
+              <a:rPr lang="en"/>
+              <a:t>2</a:t>
+            </a:fld>
+            <a:endParaRPr dirty="0"/>
+          </a:p>
+        </p:txBody>
+      </p:sp>
+    </p:spTree>
+  </p:cSld>
+  <p:clrMapOvr>
+    <a:masterClrMapping/>
+  </p:clrMapOvr>
+</p:sld>
+</file>
+
+<file path=ppt/slides/slide20.xml><?xml version="1.0" encoding="utf-8"?>
 <p:sld xmlns:a="http://schemas.openxmlformats.org/drawingml/2006/main" xmlns:r="http://schemas.openxmlformats.org/officeDocument/2006/relationships" xmlns:p="http://schemas.openxmlformats.org/presentationml/2006/main">
   <p:cSld>
     <p:spTree>
@@ -14609,7 +15031,7 @@
             </a:pPr>
             <a:fld id="{00000000-1234-1234-1234-123412341234}" type="slidenum">
               <a:rPr lang="en"/>
-              <a:t>19</a:t>
+              <a:t>20</a:t>
             </a:fld>
             <a:endParaRPr/>
           </a:p>
@@ -14623,275 +15045,7 @@
 </p:sld>
 </file>
 
-<file path=ppt/slides/slide2.xml><?xml version="1.0" encoding="utf-8"?>
-<p:sld xmlns:a="http://schemas.openxmlformats.org/drawingml/2006/main" xmlns:r="http://schemas.openxmlformats.org/officeDocument/2006/relationships" xmlns:p="http://schemas.openxmlformats.org/presentationml/2006/main">
-  <p:cSld>
-    <p:spTree>
-      <p:nvGrpSpPr>
-        <p:cNvPr id="1" name="Shape 324"/>
-        <p:cNvGrpSpPr/>
-        <p:nvPr/>
-      </p:nvGrpSpPr>
-      <p:grpSpPr>
-        <a:xfrm>
-          <a:off x="0" y="0"/>
-          <a:ext cx="0" cy="0"/>
-          <a:chOff x="0" y="0"/>
-          <a:chExt cx="0" cy="0"/>
-        </a:xfrm>
-      </p:grpSpPr>
-      <p:sp>
-        <p:nvSpPr>
-          <p:cNvPr id="325" name="Google Shape;325;p14"/>
-          <p:cNvSpPr txBox="1">
-            <a:spLocks noGrp="1"/>
-          </p:cNvSpPr>
-          <p:nvPr>
-            <p:ph type="ctrTitle" idx="4294967295"/>
-          </p:nvPr>
-        </p:nvSpPr>
-        <p:spPr>
-          <a:xfrm>
-            <a:off x="1313736" y="1167942"/>
-            <a:ext cx="4725000" cy="861900"/>
-          </a:xfrm>
-          <a:prstGeom prst="rect">
-            <a:avLst/>
-          </a:prstGeom>
-        </p:spPr>
-        <p:txBody>
-          <a:bodyPr spcFirstLastPara="1" wrap="square" lIns="0" tIns="0" rIns="0" bIns="0" anchor="t" anchorCtr="0">
-            <a:noAutofit/>
-          </a:bodyPr>
-          <a:lstStyle/>
-          <a:p>
-            <a:pPr marL="0" lvl="0" indent="0" algn="l" rtl="0">
-              <a:spcBef>
-                <a:spcPts val="0"/>
-              </a:spcBef>
-              <a:spcAft>
-                <a:spcPts val="0"/>
-              </a:spcAft>
-              <a:buNone/>
-            </a:pPr>
-            <a:r>
-              <a:rPr lang="en" sz="7200">
-                <a:solidFill>
-                  <a:schemeClr val="accent2"/>
-                </a:solidFill>
-              </a:rPr>
-              <a:t>HELLO!</a:t>
-            </a:r>
-            <a:endParaRPr sz="7200">
-              <a:solidFill>
-                <a:schemeClr val="accent2"/>
-              </a:solidFill>
-            </a:endParaRPr>
-          </a:p>
-        </p:txBody>
-      </p:sp>
-      <p:sp>
-        <p:nvSpPr>
-          <p:cNvPr id="326" name="Google Shape;326;p14"/>
-          <p:cNvSpPr txBox="1">
-            <a:spLocks noGrp="1"/>
-          </p:cNvSpPr>
-          <p:nvPr>
-            <p:ph type="subTitle" idx="4294967295"/>
-          </p:nvPr>
-        </p:nvSpPr>
-        <p:spPr>
-          <a:xfrm>
-            <a:off x="1356746" y="2229002"/>
-            <a:ext cx="4725000" cy="2341200"/>
-          </a:xfrm>
-          <a:prstGeom prst="rect">
-            <a:avLst/>
-          </a:prstGeom>
-        </p:spPr>
-        <p:txBody>
-          <a:bodyPr spcFirstLastPara="1" wrap="square" lIns="0" tIns="0" rIns="0" bIns="0" anchor="t" anchorCtr="0">
-            <a:noAutofit/>
-          </a:bodyPr>
-          <a:lstStyle/>
-          <a:p>
-            <a:pPr marL="0" lvl="0" indent="0" algn="l" rtl="0">
-              <a:spcBef>
-                <a:spcPts val="600"/>
-              </a:spcBef>
-              <a:spcAft>
-                <a:spcPts val="0"/>
-              </a:spcAft>
-              <a:buNone/>
-            </a:pPr>
-            <a:r>
-              <a:rPr lang="en-US" b="1" dirty="0">
-                <a:latin typeface="Montserrat"/>
-                <a:ea typeface="Montserrat"/>
-                <a:cs typeface="Montserrat"/>
-                <a:sym typeface="Montserrat"/>
-              </a:rPr>
-              <a:t>Group Members:</a:t>
-            </a:r>
-          </a:p>
-          <a:p>
-            <a:pPr marL="0" lvl="0" indent="0" algn="l" rtl="0">
-              <a:spcBef>
-                <a:spcPts val="600"/>
-              </a:spcBef>
-              <a:spcAft>
-                <a:spcPts val="0"/>
-              </a:spcAft>
-              <a:buClr>
-                <a:schemeClr val="dk1"/>
-              </a:buClr>
-              <a:buSzPts val="1100"/>
-              <a:buFont typeface="Arial"/>
-              <a:buNone/>
-            </a:pPr>
-            <a:r>
-              <a:rPr lang="en-US" dirty="0"/>
-              <a:t>Tyler </a:t>
-            </a:r>
-            <a:r>
-              <a:rPr lang="en-US" dirty="0" err="1"/>
-              <a:t>Fasulo</a:t>
-            </a:r>
-            <a:endParaRPr lang="en-US" dirty="0"/>
-          </a:p>
-          <a:p>
-            <a:pPr marL="0" lvl="0" indent="0" algn="l" rtl="0">
-              <a:spcBef>
-                <a:spcPts val="600"/>
-              </a:spcBef>
-              <a:spcAft>
-                <a:spcPts val="0"/>
-              </a:spcAft>
-              <a:buClr>
-                <a:schemeClr val="dk1"/>
-              </a:buClr>
-              <a:buSzPts val="1100"/>
-              <a:buFont typeface="Arial"/>
-              <a:buNone/>
-            </a:pPr>
-            <a:r>
-              <a:rPr lang="en-US" dirty="0"/>
-              <a:t>Luan </a:t>
-            </a:r>
-            <a:r>
-              <a:rPr lang="en-US" dirty="0" err="1"/>
-              <a:t>Hajnaj</a:t>
-            </a:r>
-            <a:endParaRPr lang="en-US" dirty="0"/>
-          </a:p>
-          <a:p>
-            <a:pPr marL="0" lvl="0" indent="0" algn="l" rtl="0">
-              <a:spcBef>
-                <a:spcPts val="600"/>
-              </a:spcBef>
-              <a:spcAft>
-                <a:spcPts val="0"/>
-              </a:spcAft>
-              <a:buClr>
-                <a:schemeClr val="dk1"/>
-              </a:buClr>
-              <a:buSzPts val="1100"/>
-              <a:buFont typeface="Arial"/>
-              <a:buNone/>
-            </a:pPr>
-            <a:r>
-              <a:rPr lang="en-US" dirty="0"/>
-              <a:t>Paul Wolanski</a:t>
-            </a:r>
-          </a:p>
-        </p:txBody>
-      </p:sp>
-      <p:pic>
-        <p:nvPicPr>
-          <p:cNvPr id="327" name="Google Shape;327;p14" descr="photo-1434030216411-0b793f4b4173.jpg"/>
-          <p:cNvPicPr preferRelativeResize="0"/>
-          <p:nvPr/>
-        </p:nvPicPr>
-        <p:blipFill>
-          <a:blip r:embed="rId3">
-            <a:alphaModFix/>
-          </a:blip>
-          <a:stretch>
-            <a:fillRect/>
-          </a:stretch>
-        </p:blipFill>
-        <p:spPr>
-          <a:xfrm>
-            <a:off x="5720373" y="688148"/>
-            <a:ext cx="2055900" cy="2055900"/>
-          </a:xfrm>
-          <a:prstGeom prst="rect">
-            <a:avLst/>
-          </a:prstGeom>
-          <a:noFill/>
-          <a:ln>
-            <a:noFill/>
-          </a:ln>
-          <a:effectLst>
-            <a:outerShdw blurRad="171450" dist="57150" dir="5400000" algn="bl" rotWithShape="0">
-              <a:schemeClr val="dk1">
-                <a:alpha val="19000"/>
-              </a:schemeClr>
-            </a:outerShdw>
-          </a:effectLst>
-        </p:spPr>
-      </p:pic>
-      <p:sp>
-        <p:nvSpPr>
-          <p:cNvPr id="328" name="Google Shape;328;p14"/>
-          <p:cNvSpPr txBox="1">
-            <a:spLocks noGrp="1"/>
-          </p:cNvSpPr>
-          <p:nvPr>
-            <p:ph type="sldNum" idx="12"/>
-          </p:nvPr>
-        </p:nvSpPr>
-        <p:spPr>
-          <a:xfrm>
-            <a:off x="8729400" y="4734075"/>
-            <a:ext cx="414600" cy="409500"/>
-          </a:xfrm>
-          <a:prstGeom prst="rect">
-            <a:avLst/>
-          </a:prstGeom>
-        </p:spPr>
-        <p:txBody>
-          <a:bodyPr spcFirstLastPara="1" wrap="square" lIns="0" tIns="0" rIns="0" bIns="0" anchor="ctr" anchorCtr="0">
-            <a:noAutofit/>
-          </a:bodyPr>
-          <a:lstStyle/>
-          <a:p>
-            <a:pPr marL="0" lvl="0" indent="0" algn="ctr" rtl="0">
-              <a:spcBef>
-                <a:spcPts val="0"/>
-              </a:spcBef>
-              <a:spcAft>
-                <a:spcPts val="0"/>
-              </a:spcAft>
-              <a:buNone/>
-            </a:pPr>
-            <a:fld id="{00000000-1234-1234-1234-123412341234}" type="slidenum">
-              <a:rPr lang="en"/>
-              <a:t>2</a:t>
-            </a:fld>
-            <a:endParaRPr dirty="0"/>
-          </a:p>
-        </p:txBody>
-      </p:sp>
-    </p:spTree>
-  </p:cSld>
-  <p:clrMapOvr>
-    <a:masterClrMapping/>
-  </p:clrMapOvr>
-</p:sld>
-</file>
-
-<file path=ppt/slides/slide20.xml><?xml version="1.0" encoding="utf-8"?>
+<file path=ppt/slides/slide21.xml><?xml version="1.0" encoding="utf-8"?>
 <p:sld xmlns:a="http://schemas.openxmlformats.org/drawingml/2006/main" xmlns:r="http://schemas.openxmlformats.org/officeDocument/2006/relationships" xmlns:p="http://schemas.openxmlformats.org/presentationml/2006/main">
   <p:cSld>
     <p:bg>
@@ -15022,7 +15176,7 @@
             </a:pPr>
             <a:fld id="{00000000-1234-1234-1234-123412341234}" type="slidenum">
               <a:rPr lang="en"/>
-              <a:t>20</a:t>
+              <a:t>21</a:t>
             </a:fld>
             <a:endParaRPr/>
           </a:p>
@@ -15150,7 +15304,7 @@
 </p:sld>
 </file>
 
-<file path=ppt/slides/slide21.xml><?xml version="1.0" encoding="utf-8"?>
+<file path=ppt/slides/slide22.xml><?xml version="1.0" encoding="utf-8"?>
 <p:sld xmlns:a="http://schemas.openxmlformats.org/drawingml/2006/main" xmlns:r="http://schemas.openxmlformats.org/officeDocument/2006/relationships" xmlns:p="http://schemas.openxmlformats.org/presentationml/2006/main">
   <p:cSld>
     <p:spTree>
@@ -15203,7 +15357,7 @@
             </a:pPr>
             <a:fld id="{00000000-1234-1234-1234-123412341234}" type="slidenum">
               <a:rPr lang="en"/>
-              <a:t>21</a:t>
+              <a:t>22</a:t>
             </a:fld>
             <a:endParaRPr/>
           </a:p>
@@ -15320,6 +15474,248 @@
 </file>
 
 <file path=ppt/slides/slide3.xml><?xml version="1.0" encoding="utf-8"?>
+<p:sld xmlns:a="http://schemas.openxmlformats.org/drawingml/2006/main" xmlns:r="http://schemas.openxmlformats.org/officeDocument/2006/relationships" xmlns:p="http://schemas.openxmlformats.org/presentationml/2006/main">
+  <p:cSld>
+    <p:spTree>
+      <p:nvGrpSpPr>
+        <p:cNvPr id="1" name=""/>
+        <p:cNvGrpSpPr/>
+        <p:nvPr/>
+      </p:nvGrpSpPr>
+      <p:grpSpPr>
+        <a:xfrm>
+          <a:off x="0" y="0"/>
+          <a:ext cx="0" cy="0"/>
+          <a:chOff x="0" y="0"/>
+          <a:chExt cx="0" cy="0"/>
+        </a:xfrm>
+      </p:grpSpPr>
+      <p:sp>
+        <p:nvSpPr>
+          <p:cNvPr id="2" name="Slide Number Placeholder 1">
+            <a:extLst>
+              <a:ext uri="{FF2B5EF4-FFF2-40B4-BE49-F238E27FC236}">
+                <a16:creationId xmlns:a16="http://schemas.microsoft.com/office/drawing/2014/main" id="{79FBE012-AAEE-4FB9-95BD-5DBFAF37F251}"/>
+              </a:ext>
+            </a:extLst>
+          </p:cNvPr>
+          <p:cNvSpPr>
+            <a:spLocks noGrp="1"/>
+          </p:cNvSpPr>
+          <p:nvPr>
+            <p:ph type="sldNum" idx="12"/>
+          </p:nvPr>
+        </p:nvSpPr>
+        <p:spPr/>
+        <p:txBody>
+          <a:bodyPr/>
+          <a:lstStyle/>
+          <a:p>
+            <a:pPr marL="0" lvl="0" indent="0" algn="ctr" rtl="0">
+              <a:spcBef>
+                <a:spcPts val="0"/>
+              </a:spcBef>
+              <a:spcAft>
+                <a:spcPts val="0"/>
+              </a:spcAft>
+              <a:buNone/>
+            </a:pPr>
+            <a:fld id="{00000000-1234-1234-1234-123412341234}" type="slidenum">
+              <a:rPr lang="en" smtClean="0"/>
+              <a:t>3</a:t>
+            </a:fld>
+            <a:endParaRPr lang="en"/>
+          </a:p>
+        </p:txBody>
+      </p:sp>
+      <p:pic>
+        <p:nvPicPr>
+          <p:cNvPr id="3" name="Picture 2">
+            <a:extLst>
+              <a:ext uri="{FF2B5EF4-FFF2-40B4-BE49-F238E27FC236}">
+                <a16:creationId xmlns:a16="http://schemas.microsoft.com/office/drawing/2014/main" id="{3BF5ECFD-5EEC-48DC-9AB6-C117C96C53FD}"/>
+              </a:ext>
+            </a:extLst>
+          </p:cNvPr>
+          <p:cNvPicPr>
+            <a:picLocks noChangeAspect="1"/>
+          </p:cNvPicPr>
+          <p:nvPr/>
+        </p:nvPicPr>
+        <p:blipFill rotWithShape="1">
+          <a:blip r:embed="rId2"/>
+          <a:srcRect l="100" t="33289" r="5983" b="12474"/>
+          <a:stretch/>
+        </p:blipFill>
+        <p:spPr>
+          <a:xfrm>
+            <a:off x="941294" y="1580359"/>
+            <a:ext cx="7261412" cy="2919446"/>
+          </a:xfrm>
+          <a:prstGeom prst="rect">
+            <a:avLst/>
+          </a:prstGeom>
+          <a:ln>
+            <a:solidFill>
+              <a:schemeClr val="tx1"/>
+            </a:solidFill>
+          </a:ln>
+        </p:spPr>
+      </p:pic>
+      <p:sp>
+        <p:nvSpPr>
+          <p:cNvPr id="5" name="TextBox 4">
+            <a:extLst>
+              <a:ext uri="{FF2B5EF4-FFF2-40B4-BE49-F238E27FC236}">
+                <a16:creationId xmlns:a16="http://schemas.microsoft.com/office/drawing/2014/main" id="{9AEF0881-0427-40C2-AECC-AB563709A630}"/>
+              </a:ext>
+            </a:extLst>
+          </p:cNvPr>
+          <p:cNvSpPr txBox="1"/>
+          <p:nvPr/>
+        </p:nvSpPr>
+        <p:spPr>
+          <a:xfrm>
+            <a:off x="276625" y="545564"/>
+            <a:ext cx="8598433" cy="789960"/>
+          </a:xfrm>
+          <a:prstGeom prst="rect">
+            <a:avLst/>
+          </a:prstGeom>
+          <a:noFill/>
+        </p:spPr>
+        <p:txBody>
+          <a:bodyPr wrap="square" rtlCol="0">
+            <a:spAutoFit/>
+          </a:bodyPr>
+          <a:lstStyle/>
+          <a:p>
+            <a:pPr algn="ctr">
+              <a:lnSpc>
+                <a:spcPct val="120000"/>
+              </a:lnSpc>
+              <a:spcBef>
+                <a:spcPts val="600"/>
+              </a:spcBef>
+              <a:buClr>
+                <a:schemeClr val="accent6"/>
+              </a:buClr>
+              <a:buSzPts val="2000"/>
+            </a:pPr>
+            <a:r>
+              <a:rPr lang="en-US" sz="4000" b="1" dirty="0">
+                <a:solidFill>
+                  <a:schemeClr val="dk1"/>
+                </a:solidFill>
+                <a:latin typeface="Poppins"/>
+                <a:cs typeface="Poppins"/>
+                <a:sym typeface="Montserrat Light"/>
+              </a:rPr>
+              <a:t>Data Mining from World</a:t>
+            </a:r>
+            <a:r>
+              <a:rPr lang="en-US" sz="2000" b="1" dirty="0">
+                <a:solidFill>
+                  <a:schemeClr val="dk1"/>
+                </a:solidFill>
+                <a:latin typeface="Montserrat"/>
+                <a:sym typeface="Montserrat Light"/>
+              </a:rPr>
+              <a:t> </a:t>
+            </a:r>
+            <a:r>
+              <a:rPr lang="en-US" sz="4000" b="1" dirty="0">
+                <a:solidFill>
+                  <a:schemeClr val="dk1"/>
+                </a:solidFill>
+                <a:latin typeface="Poppins"/>
+                <a:cs typeface="Poppins"/>
+                <a:sym typeface="Montserrat Light"/>
+              </a:rPr>
+              <a:t>Bank</a:t>
+            </a:r>
+          </a:p>
+        </p:txBody>
+      </p:sp>
+      <p:sp>
+        <p:nvSpPr>
+          <p:cNvPr id="6" name="Rectangle 5">
+            <a:extLst>
+              <a:ext uri="{FF2B5EF4-FFF2-40B4-BE49-F238E27FC236}">
+                <a16:creationId xmlns:a16="http://schemas.microsoft.com/office/drawing/2014/main" id="{F182268C-180D-4BC7-ACE5-59A987F789A4}"/>
+              </a:ext>
+            </a:extLst>
+          </p:cNvPr>
+          <p:cNvSpPr/>
+          <p:nvPr/>
+        </p:nvSpPr>
+        <p:spPr>
+          <a:xfrm rot="19950532">
+            <a:off x="3056200" y="2386711"/>
+            <a:ext cx="3031599" cy="923330"/>
+          </a:xfrm>
+          <a:prstGeom prst="rect">
+            <a:avLst/>
+          </a:prstGeom>
+          <a:noFill/>
+        </p:spPr>
+        <p:txBody>
+          <a:bodyPr wrap="none" lIns="91440" tIns="45720" rIns="91440" bIns="45720">
+            <a:spAutoFit/>
+          </a:bodyPr>
+          <a:lstStyle/>
+          <a:p>
+            <a:pPr algn="ctr"/>
+            <a:r>
+              <a:rPr lang="en-US" sz="5400" b="1" dirty="0">
+                <a:ln w="9525">
+                  <a:solidFill>
+                    <a:schemeClr val="bg1"/>
+                  </a:solidFill>
+                  <a:prstDash val="solid"/>
+                </a:ln>
+                <a:solidFill>
+                  <a:srgbClr val="FF3399"/>
+                </a:solidFill>
+                <a:effectLst>
+                  <a:outerShdw blurRad="12700" dist="38100" dir="2700000" algn="tl" rotWithShape="0">
+                    <a:schemeClr val="bg1">
+                      <a:lumMod val="50000"/>
+                    </a:schemeClr>
+                  </a:outerShdw>
+                </a:effectLst>
+              </a:rPr>
+              <a:t>Example</a:t>
+            </a:r>
+            <a:endParaRPr lang="en-US" sz="5400" b="1" cap="none" spc="0" dirty="0">
+              <a:ln w="22225">
+                <a:solidFill>
+                  <a:schemeClr val="accent2"/>
+                </a:solidFill>
+                <a:prstDash val="solid"/>
+              </a:ln>
+              <a:solidFill>
+                <a:srgbClr val="FF3399"/>
+              </a:solidFill>
+              <a:effectLst/>
+            </a:endParaRPr>
+          </a:p>
+        </p:txBody>
+      </p:sp>
+    </p:spTree>
+    <p:extLst>
+      <p:ext uri="{BB962C8B-B14F-4D97-AF65-F5344CB8AC3E}">
+        <p14:creationId xmlns:p14="http://schemas.microsoft.com/office/powerpoint/2010/main" val="2921520058"/>
+      </p:ext>
+    </p:extLst>
+  </p:cSld>
+  <p:clrMapOvr>
+    <a:masterClrMapping/>
+  </p:clrMapOvr>
+</p:sld>
+</file>
+
+<file path=ppt/slides/slide4.xml><?xml version="1.0" encoding="utf-8"?>
 <p:sld xmlns:a="http://schemas.openxmlformats.org/drawingml/2006/main" xmlns:r="http://schemas.openxmlformats.org/officeDocument/2006/relationships" xmlns:p="http://schemas.openxmlformats.org/presentationml/2006/main">
   <p:cSld>
     <p:bg>
@@ -15473,7 +15869,7 @@
 </p:sld>
 </file>
 
-<file path=ppt/slides/slide4.xml><?xml version="1.0" encoding="utf-8"?>
+<file path=ppt/slides/slide5.xml><?xml version="1.0" encoding="utf-8"?>
 <p:sld xmlns:a="http://schemas.openxmlformats.org/drawingml/2006/main" xmlns:r="http://schemas.openxmlformats.org/officeDocument/2006/relationships" xmlns:p="http://schemas.openxmlformats.org/presentationml/2006/main">
   <p:cSld>
     <p:bg>
@@ -16055,7 +16451,7 @@
             </a:pPr>
             <a:fld id="{00000000-1234-1234-1234-123412341234}" type="slidenum">
               <a:rPr lang="en"/>
-              <a:t>4</a:t>
+              <a:t>5</a:t>
             </a:fld>
             <a:endParaRPr/>
           </a:p>
@@ -16188,7 +16584,7 @@
 </p:sld>
 </file>
 
-<file path=ppt/slides/slide5.xml><?xml version="1.0" encoding="utf-8"?>
+<file path=ppt/slides/slide6.xml><?xml version="1.0" encoding="utf-8"?>
 <p:sld xmlns:a="http://schemas.openxmlformats.org/drawingml/2006/main" xmlns:r="http://schemas.openxmlformats.org/officeDocument/2006/relationships" xmlns:p="http://schemas.openxmlformats.org/presentationml/2006/main">
   <p:cSld>
     <p:bg>
@@ -16341,7 +16737,7 @@
 </p:sld>
 </file>
 
-<file path=ppt/slides/slide6.xml><?xml version="1.0" encoding="utf-8"?>
+<file path=ppt/slides/slide7.xml><?xml version="1.0" encoding="utf-8"?>
 <p:sld xmlns:a="http://schemas.openxmlformats.org/drawingml/2006/main" xmlns:r="http://schemas.openxmlformats.org/officeDocument/2006/relationships" xmlns:p="http://schemas.openxmlformats.org/presentationml/2006/main">
   <p:cSld>
     <p:bg>
@@ -16920,7 +17316,7 @@
             </a:pPr>
             <a:fld id="{00000000-1234-1234-1234-123412341234}" type="slidenum">
               <a:rPr lang="en"/>
-              <a:t>6</a:t>
+              <a:t>7</a:t>
             </a:fld>
             <a:endParaRPr/>
           </a:p>
@@ -17052,7 +17448,7 @@
 </p:sld>
 </file>
 
-<file path=ppt/slides/slide7.xml><?xml version="1.0" encoding="utf-8"?>
+<file path=ppt/slides/slide8.xml><?xml version="1.0" encoding="utf-8"?>
 <p:sld xmlns:a="http://schemas.openxmlformats.org/drawingml/2006/main" xmlns:r="http://schemas.openxmlformats.org/officeDocument/2006/relationships" xmlns:p="http://schemas.openxmlformats.org/presentationml/2006/main">
   <p:cSld>
     <p:bg>
@@ -17210,7 +17606,7 @@
 </p:sld>
 </file>
 
-<file path=ppt/slides/slide8.xml><?xml version="1.0" encoding="utf-8"?>
+<file path=ppt/slides/slide9.xml><?xml version="1.0" encoding="utf-8"?>
 <p:sld xmlns:a="http://schemas.openxmlformats.org/drawingml/2006/main" xmlns:r="http://schemas.openxmlformats.org/officeDocument/2006/relationships" xmlns:p="http://schemas.openxmlformats.org/presentationml/2006/main">
   <p:cSld>
     <p:bg>
@@ -17792,7 +18188,7 @@
             </a:pPr>
             <a:fld id="{00000000-1234-1234-1234-123412341234}" type="slidenum">
               <a:rPr lang="en"/>
-              <a:t>8</a:t>
+              <a:t>9</a:t>
             </a:fld>
             <a:endParaRPr/>
           </a:p>
@@ -17915,159 +18311,6 @@
     <p:extLst>
       <p:ext uri="{BB962C8B-B14F-4D97-AF65-F5344CB8AC3E}">
         <p14:creationId xmlns:p14="http://schemas.microsoft.com/office/powerpoint/2010/main" val="3907547806"/>
-      </p:ext>
-    </p:extLst>
-  </p:cSld>
-  <p:clrMapOvr>
-    <a:masterClrMapping/>
-  </p:clrMapOvr>
-</p:sld>
-</file>
-
-<file path=ppt/slides/slide9.xml><?xml version="1.0" encoding="utf-8"?>
-<p:sld xmlns:a="http://schemas.openxmlformats.org/drawingml/2006/main" xmlns:r="http://schemas.openxmlformats.org/officeDocument/2006/relationships" xmlns:p="http://schemas.openxmlformats.org/presentationml/2006/main">
-  <p:cSld>
-    <p:bg>
-      <p:bgPr>
-        <a:gradFill>
-          <a:gsLst>
-            <a:gs pos="0">
-              <a:srgbClr val="D3C3E3"/>
-            </a:gs>
-            <a:gs pos="44000">
-              <a:schemeClr val="lt2"/>
-            </a:gs>
-            <a:gs pos="72000">
-              <a:schemeClr val="lt2"/>
-            </a:gs>
-            <a:gs pos="100000">
-              <a:srgbClr val="7030A0"/>
-            </a:gs>
-          </a:gsLst>
-          <a:path path="circle">
-            <a:fillToRect r="100000" b="100000"/>
-          </a:path>
-          <a:tileRect l="-100000" t="-100000"/>
-        </a:gradFill>
-        <a:effectLst/>
-      </p:bgPr>
-    </p:bg>
-    <p:spTree>
-      <p:nvGrpSpPr>
-        <p:cNvPr id="1" name="Shape 332"/>
-        <p:cNvGrpSpPr/>
-        <p:nvPr/>
-      </p:nvGrpSpPr>
-      <p:grpSpPr>
-        <a:xfrm>
-          <a:off x="0" y="0"/>
-          <a:ext cx="0" cy="0"/>
-          <a:chOff x="0" y="0"/>
-          <a:chExt cx="0" cy="0"/>
-        </a:xfrm>
-      </p:grpSpPr>
-      <p:sp>
-        <p:nvSpPr>
-          <p:cNvPr id="333" name="Google Shape;333;p15"/>
-          <p:cNvSpPr txBox="1">
-            <a:spLocks noGrp="1"/>
-          </p:cNvSpPr>
-          <p:nvPr>
-            <p:ph type="ctrTitle"/>
-          </p:nvPr>
-        </p:nvSpPr>
-        <p:spPr>
-          <a:xfrm>
-            <a:off x="2027625" y="1629397"/>
-            <a:ext cx="5088600" cy="1159800"/>
-          </a:xfrm>
-          <a:prstGeom prst="rect">
-            <a:avLst/>
-          </a:prstGeom>
-        </p:spPr>
-        <p:txBody>
-          <a:bodyPr spcFirstLastPara="1" wrap="square" lIns="0" tIns="0" rIns="0" bIns="0" anchor="b" anchorCtr="0">
-            <a:noAutofit/>
-          </a:bodyPr>
-          <a:lstStyle/>
-          <a:p>
-            <a:pPr marL="0" lvl="0" indent="0" algn="l" rtl="0">
-              <a:spcBef>
-                <a:spcPts val="0"/>
-              </a:spcBef>
-              <a:spcAft>
-                <a:spcPts val="0"/>
-              </a:spcAft>
-              <a:buNone/>
-            </a:pPr>
-            <a:r>
-              <a:rPr lang="en" dirty="0">
-                <a:solidFill>
-                  <a:schemeClr val="accent2"/>
-                </a:solidFill>
-              </a:rPr>
-              <a:t>4.</a:t>
-            </a:r>
-            <a:endParaRPr lang="en-US" dirty="0">
-              <a:solidFill>
-                <a:schemeClr val="accent2"/>
-              </a:solidFill>
-            </a:endParaRPr>
-          </a:p>
-          <a:p>
-            <a:pPr marL="0" lvl="0" indent="0" algn="l" rtl="0">
-              <a:spcBef>
-                <a:spcPts val="0"/>
-              </a:spcBef>
-              <a:spcAft>
-                <a:spcPts val="0"/>
-              </a:spcAft>
-              <a:buNone/>
-            </a:pPr>
-            <a:r>
-              <a:rPr lang="en-US" dirty="0"/>
-              <a:t>ACCESS TO ELECTRICITY</a:t>
-            </a:r>
-          </a:p>
-        </p:txBody>
-      </p:sp>
-      <p:sp>
-        <p:nvSpPr>
-          <p:cNvPr id="334" name="Google Shape;334;p15"/>
-          <p:cNvSpPr txBox="1">
-            <a:spLocks noGrp="1"/>
-          </p:cNvSpPr>
-          <p:nvPr>
-            <p:ph type="subTitle" idx="1"/>
-          </p:nvPr>
-        </p:nvSpPr>
-        <p:spPr>
-          <a:xfrm>
-            <a:off x="2027625" y="2886101"/>
-            <a:ext cx="5088600" cy="784800"/>
-          </a:xfrm>
-          <a:prstGeom prst="rect">
-            <a:avLst/>
-          </a:prstGeom>
-        </p:spPr>
-        <p:txBody>
-          <a:bodyPr spcFirstLastPara="1" wrap="square" lIns="0" tIns="0" rIns="0" bIns="0" anchor="t" anchorCtr="0">
-            <a:noAutofit/>
-          </a:bodyPr>
-          <a:lstStyle/>
-          <a:p>
-            <a:pPr marL="0" lvl="0" indent="0"/>
-            <a:r>
-              <a:rPr lang="en-US" dirty="0"/>
-              <a:t>Access to electricity (% of population)</a:t>
-            </a:r>
-          </a:p>
-        </p:txBody>
-      </p:sp>
-    </p:spTree>
-    <p:extLst>
-      <p:ext uri="{BB962C8B-B14F-4D97-AF65-F5344CB8AC3E}">
-        <p14:creationId xmlns:p14="http://schemas.microsoft.com/office/powerpoint/2010/main" val="243479650"/>
       </p:ext>
     </p:extLst>
   </p:cSld>

--- a/PowerPoint/Presentation_Final.pptx
+++ b/PowerPoint/Presentation_Final.pptx
@@ -35,28 +35,28 @@
   <p:notesSz cx="6858000" cy="9144000"/>
   <p:embeddedFontLst>
     <p:embeddedFont>
-      <p:font typeface="Calibri" panose="020F0502020204030204" pitchFamily="34" charset="0"/>
+      <p:font typeface="Poppins" panose="020B0604020202020204" charset="0"/>
       <p:regular r:id="rId25"/>
       <p:bold r:id="rId26"/>
       <p:italic r:id="rId27"/>
       <p:boldItalic r:id="rId28"/>
     </p:embeddedFont>
     <p:embeddedFont>
-      <p:font typeface="Montserrat" panose="020B0604020202020204" charset="0"/>
+      <p:font typeface="Montserrat Light" panose="020B0604020202020204" charset="0"/>
       <p:regular r:id="rId29"/>
       <p:bold r:id="rId30"/>
       <p:italic r:id="rId31"/>
       <p:boldItalic r:id="rId32"/>
     </p:embeddedFont>
     <p:embeddedFont>
-      <p:font typeface="Montserrat Light" panose="020B0604020202020204" charset="0"/>
+      <p:font typeface="Montserrat" panose="020B0604020202020204" charset="0"/>
       <p:regular r:id="rId33"/>
       <p:bold r:id="rId34"/>
       <p:italic r:id="rId35"/>
       <p:boldItalic r:id="rId36"/>
     </p:embeddedFont>
     <p:embeddedFont>
-      <p:font typeface="Poppins" panose="020B0604020202020204" charset="0"/>
+      <p:font typeface="Calibri" panose="020F0502020204030204" pitchFamily="34" charset="0"/>
       <p:regular r:id="rId37"/>
       <p:bold r:id="rId38"/>
       <p:italic r:id="rId39"/>
@@ -8654,7 +8654,7 @@
         </p:nvSpPr>
         <p:spPr>
           <a:xfrm>
-            <a:off x="2027622" y="1953315"/>
+            <a:off x="3885451" y="153544"/>
             <a:ext cx="5073300" cy="1159800"/>
           </a:xfrm>
           <a:prstGeom prst="rect">
@@ -8688,11 +8688,338 @@
           </a:p>
         </p:txBody>
       </p:sp>
+      <p:sp>
+        <p:nvSpPr>
+          <p:cNvPr id="3" name="Google Shape;326;p14"/>
+          <p:cNvSpPr txBox="1">
+            <a:spLocks/>
+          </p:cNvSpPr>
+          <p:nvPr/>
+        </p:nvSpPr>
+        <p:spPr>
+          <a:xfrm>
+            <a:off x="152063" y="1742774"/>
+            <a:ext cx="7975938" cy="3046940"/>
+          </a:xfrm>
+          <a:prstGeom prst="rect">
+            <a:avLst/>
+          </a:prstGeom>
+          <a:noFill/>
+          <a:ln>
+            <a:noFill/>
+          </a:ln>
+        </p:spPr>
+        <p:txBody>
+          <a:bodyPr spcFirstLastPara="1" wrap="square" lIns="0" tIns="0" rIns="0" bIns="0" anchor="t" anchorCtr="0">
+            <a:noAutofit/>
+          </a:bodyPr>
+          <a:lstStyle>
+            <a:defPPr marR="0" lvl="0" algn="l" rtl="0">
+              <a:lnSpc>
+                <a:spcPct val="100000"/>
+              </a:lnSpc>
+              <a:spcBef>
+                <a:spcPts val="0"/>
+              </a:spcBef>
+              <a:spcAft>
+                <a:spcPts val="0"/>
+              </a:spcAft>
+            </a:defPPr>
+            <a:lvl1pPr marL="457200" marR="0" lvl="0" indent="-355600" algn="l" rtl="0">
+              <a:lnSpc>
+                <a:spcPct val="120000"/>
+              </a:lnSpc>
+              <a:spcBef>
+                <a:spcPts val="600"/>
+              </a:spcBef>
+              <a:spcAft>
+                <a:spcPts val="0"/>
+              </a:spcAft>
+              <a:buClr>
+                <a:schemeClr val="accent6"/>
+              </a:buClr>
+              <a:buSzPts val="2000"/>
+              <a:buFont typeface="Montserrat Light"/>
+              <a:buChar char="❑"/>
+              <a:defRPr sz="2000" b="0" i="0" u="none" strike="noStrike" cap="none">
+                <a:solidFill>
+                  <a:schemeClr val="dk1"/>
+                </a:solidFill>
+                <a:latin typeface="Montserrat Light"/>
+                <a:ea typeface="Montserrat Light"/>
+                <a:cs typeface="Montserrat Light"/>
+                <a:sym typeface="Montserrat Light"/>
+              </a:defRPr>
+            </a:lvl1pPr>
+            <a:lvl2pPr marL="914400" marR="0" lvl="1" indent="-355600" algn="l" rtl="0">
+              <a:lnSpc>
+                <a:spcPct val="120000"/>
+              </a:lnSpc>
+              <a:spcBef>
+                <a:spcPts val="600"/>
+              </a:spcBef>
+              <a:spcAft>
+                <a:spcPts val="0"/>
+              </a:spcAft>
+              <a:buClr>
+                <a:schemeClr val="accent6"/>
+              </a:buClr>
+              <a:buSzPts val="2000"/>
+              <a:buFont typeface="Montserrat Light"/>
+              <a:buChar char="❏"/>
+              <a:defRPr sz="2000" b="0" i="0" u="none" strike="noStrike" cap="none">
+                <a:solidFill>
+                  <a:schemeClr val="dk1"/>
+                </a:solidFill>
+                <a:latin typeface="Montserrat Light"/>
+                <a:ea typeface="Montserrat Light"/>
+                <a:cs typeface="Montserrat Light"/>
+                <a:sym typeface="Montserrat Light"/>
+              </a:defRPr>
+            </a:lvl2pPr>
+            <a:lvl3pPr marL="1371600" marR="0" lvl="2" indent="-355600" algn="l" rtl="0">
+              <a:lnSpc>
+                <a:spcPct val="120000"/>
+              </a:lnSpc>
+              <a:spcBef>
+                <a:spcPts val="600"/>
+              </a:spcBef>
+              <a:spcAft>
+                <a:spcPts val="0"/>
+              </a:spcAft>
+              <a:buClr>
+                <a:schemeClr val="accent6"/>
+              </a:buClr>
+              <a:buSzPts val="2000"/>
+              <a:buFont typeface="Montserrat Light"/>
+              <a:buChar char="❏"/>
+              <a:defRPr sz="2000" b="0" i="0" u="none" strike="noStrike" cap="none">
+                <a:solidFill>
+                  <a:schemeClr val="dk1"/>
+                </a:solidFill>
+                <a:latin typeface="Montserrat Light"/>
+                <a:ea typeface="Montserrat Light"/>
+                <a:cs typeface="Montserrat Light"/>
+                <a:sym typeface="Montserrat Light"/>
+              </a:defRPr>
+            </a:lvl3pPr>
+            <a:lvl4pPr marL="1828800" marR="0" lvl="3" indent="-355600" algn="l" rtl="0">
+              <a:lnSpc>
+                <a:spcPct val="120000"/>
+              </a:lnSpc>
+              <a:spcBef>
+                <a:spcPts val="600"/>
+              </a:spcBef>
+              <a:spcAft>
+                <a:spcPts val="0"/>
+              </a:spcAft>
+              <a:buClr>
+                <a:schemeClr val="accent6"/>
+              </a:buClr>
+              <a:buSzPts val="2000"/>
+              <a:buFont typeface="Montserrat Light"/>
+              <a:buChar char="❏"/>
+              <a:defRPr sz="2000" b="0" i="0" u="none" strike="noStrike" cap="none">
+                <a:solidFill>
+                  <a:schemeClr val="dk1"/>
+                </a:solidFill>
+                <a:latin typeface="Montserrat Light"/>
+                <a:ea typeface="Montserrat Light"/>
+                <a:cs typeface="Montserrat Light"/>
+                <a:sym typeface="Montserrat Light"/>
+              </a:defRPr>
+            </a:lvl4pPr>
+            <a:lvl5pPr marL="2286000" marR="0" lvl="4" indent="-355600" algn="l" rtl="0">
+              <a:lnSpc>
+                <a:spcPct val="120000"/>
+              </a:lnSpc>
+              <a:spcBef>
+                <a:spcPts val="600"/>
+              </a:spcBef>
+              <a:spcAft>
+                <a:spcPts val="0"/>
+              </a:spcAft>
+              <a:buClr>
+                <a:schemeClr val="accent6"/>
+              </a:buClr>
+              <a:buSzPts val="2000"/>
+              <a:buFont typeface="Montserrat Light"/>
+              <a:buChar char="❏"/>
+              <a:defRPr sz="2000" b="0" i="0" u="none" strike="noStrike" cap="none">
+                <a:solidFill>
+                  <a:schemeClr val="dk1"/>
+                </a:solidFill>
+                <a:latin typeface="Montserrat Light"/>
+                <a:ea typeface="Montserrat Light"/>
+                <a:cs typeface="Montserrat Light"/>
+                <a:sym typeface="Montserrat Light"/>
+              </a:defRPr>
+            </a:lvl5pPr>
+            <a:lvl6pPr marL="2743200" marR="0" lvl="5" indent="-355600" algn="l" rtl="0">
+              <a:lnSpc>
+                <a:spcPct val="120000"/>
+              </a:lnSpc>
+              <a:spcBef>
+                <a:spcPts val="600"/>
+              </a:spcBef>
+              <a:spcAft>
+                <a:spcPts val="0"/>
+              </a:spcAft>
+              <a:buClr>
+                <a:schemeClr val="accent6"/>
+              </a:buClr>
+              <a:buSzPts val="2000"/>
+              <a:buFont typeface="Montserrat Light"/>
+              <a:buChar char="❏"/>
+              <a:defRPr sz="2000" b="0" i="0" u="none" strike="noStrike" cap="none">
+                <a:solidFill>
+                  <a:schemeClr val="dk1"/>
+                </a:solidFill>
+                <a:latin typeface="Montserrat Light"/>
+                <a:ea typeface="Montserrat Light"/>
+                <a:cs typeface="Montserrat Light"/>
+                <a:sym typeface="Montserrat Light"/>
+              </a:defRPr>
+            </a:lvl6pPr>
+            <a:lvl7pPr marL="3200400" marR="0" lvl="6" indent="-355600" algn="l" rtl="0">
+              <a:lnSpc>
+                <a:spcPct val="120000"/>
+              </a:lnSpc>
+              <a:spcBef>
+                <a:spcPts val="600"/>
+              </a:spcBef>
+              <a:spcAft>
+                <a:spcPts val="0"/>
+              </a:spcAft>
+              <a:buClr>
+                <a:schemeClr val="accent6"/>
+              </a:buClr>
+              <a:buSzPts val="2000"/>
+              <a:buFont typeface="Montserrat Light"/>
+              <a:buChar char="❏"/>
+              <a:defRPr sz="2000" b="0" i="0" u="none" strike="noStrike" cap="none">
+                <a:solidFill>
+                  <a:schemeClr val="dk1"/>
+                </a:solidFill>
+                <a:latin typeface="Montserrat Light"/>
+                <a:ea typeface="Montserrat Light"/>
+                <a:cs typeface="Montserrat Light"/>
+                <a:sym typeface="Montserrat Light"/>
+              </a:defRPr>
+            </a:lvl7pPr>
+            <a:lvl8pPr marL="3657600" marR="0" lvl="7" indent="-355600" algn="l" rtl="0">
+              <a:lnSpc>
+                <a:spcPct val="120000"/>
+              </a:lnSpc>
+              <a:spcBef>
+                <a:spcPts val="600"/>
+              </a:spcBef>
+              <a:spcAft>
+                <a:spcPts val="0"/>
+              </a:spcAft>
+              <a:buClr>
+                <a:schemeClr val="accent6"/>
+              </a:buClr>
+              <a:buSzPts val="2000"/>
+              <a:buFont typeface="Montserrat Light"/>
+              <a:buChar char="❏"/>
+              <a:defRPr sz="2000" b="0" i="0" u="none" strike="noStrike" cap="none">
+                <a:solidFill>
+                  <a:schemeClr val="dk1"/>
+                </a:solidFill>
+                <a:latin typeface="Montserrat Light"/>
+                <a:ea typeface="Montserrat Light"/>
+                <a:cs typeface="Montserrat Light"/>
+                <a:sym typeface="Montserrat Light"/>
+              </a:defRPr>
+            </a:lvl8pPr>
+            <a:lvl9pPr marL="4114800" marR="0" lvl="8" indent="-355600" algn="l" rtl="0">
+              <a:lnSpc>
+                <a:spcPct val="120000"/>
+              </a:lnSpc>
+              <a:spcBef>
+                <a:spcPts val="600"/>
+              </a:spcBef>
+              <a:spcAft>
+                <a:spcPts val="0"/>
+              </a:spcAft>
+              <a:buClr>
+                <a:schemeClr val="accent6"/>
+              </a:buClr>
+              <a:buSzPts val="2000"/>
+              <a:buFont typeface="Montserrat Light"/>
+              <a:buChar char="❏"/>
+              <a:defRPr sz="2000" b="0" i="0" u="none" strike="noStrike" cap="none">
+                <a:solidFill>
+                  <a:schemeClr val="dk1"/>
+                </a:solidFill>
+                <a:latin typeface="Montserrat Light"/>
+                <a:ea typeface="Montserrat Light"/>
+                <a:cs typeface="Montserrat Light"/>
+                <a:sym typeface="Montserrat Light"/>
+              </a:defRPr>
+            </a:lvl9pPr>
+          </a:lstStyle>
+          <a:p>
+            <a:pPr marL="101600" indent="0">
+              <a:buNone/>
+            </a:pPr>
+            <a:r>
+              <a:rPr lang="en-US" b="1" dirty="0"/>
+              <a:t>Hypothesis: </a:t>
+            </a:r>
+            <a:r>
+              <a:rPr lang="en-US" dirty="0"/>
+              <a:t>Life Expectancy of different countries is affected by variables such as: Pollution (CO2 emissions), GDP/person, % below Poverty line, Crime Index of the country, Healthcare Index of the country and Child Deaths per </a:t>
+            </a:r>
+            <a:r>
+              <a:rPr lang="en-US" dirty="0" smtClean="0"/>
+              <a:t>1000.</a:t>
+            </a:r>
+            <a:endParaRPr lang="en-US" dirty="0"/>
+          </a:p>
+          <a:p>
+            <a:pPr marL="0" indent="0">
+              <a:buClr>
+                <a:schemeClr val="dk1"/>
+              </a:buClr>
+              <a:buSzPts val="1100"/>
+              <a:buFont typeface="Arial"/>
+              <a:buNone/>
+            </a:pPr>
+            <a:endParaRPr lang="en-US" dirty="0"/>
+          </a:p>
+          <a:p>
+            <a:pPr marL="101600" indent="0">
+              <a:buNone/>
+            </a:pPr>
+            <a:r>
+              <a:rPr lang="en-US" b="1" dirty="0" smtClean="0"/>
+              <a:t>Null </a:t>
+            </a:r>
+            <a:r>
+              <a:rPr lang="en-US" b="1" dirty="0"/>
+              <a:t>Hypothesis: </a:t>
+            </a:r>
+            <a:r>
+              <a:rPr lang="en-US" dirty="0"/>
+              <a:t>There is no correlation between Life  Expectancy and each independent variable.  </a:t>
+            </a:r>
+          </a:p>
+        </p:txBody>
+      </p:sp>
     </p:spTree>
   </p:cSld>
   <p:clrMapOvr>
     <a:masterClrMapping/>
   </p:clrMapOvr>
+  <p:timing>
+    <p:tnLst>
+      <p:par>
+        <p:cTn id="1" dur="indefinite" restart="never" nodeType="tmRoot"/>
+      </p:par>
+    </p:tnLst>
+  </p:timing>
 </p:sld>
 </file>
 
@@ -8846,6 +9173,13 @@
   <p:clrMapOvr>
     <a:masterClrMapping/>
   </p:clrMapOvr>
+  <p:timing>
+    <p:tnLst>
+      <p:par>
+        <p:cTn id="1" dur="indefinite" restart="never" nodeType="tmRoot"/>
+      </p:par>
+    </p:tnLst>
+  </p:timing>
 </p:sld>
 </file>
 
@@ -9555,6 +9889,13 @@
   <p:clrMapOvr>
     <a:masterClrMapping/>
   </p:clrMapOvr>
+  <p:timing>
+    <p:tnLst>
+      <p:par>
+        <p:cTn id="1" dur="indefinite" restart="never" nodeType="tmRoot"/>
+      </p:par>
+    </p:tnLst>
+  </p:timing>
 </p:sld>
 </file>
 
@@ -9708,6 +10049,13 @@
   <p:clrMapOvr>
     <a:masterClrMapping/>
   </p:clrMapOvr>
+  <p:timing>
+    <p:tnLst>
+      <p:par>
+        <p:cTn id="1" dur="indefinite" restart="never" nodeType="tmRoot"/>
+      </p:par>
+    </p:tnLst>
+  </p:timing>
 </p:sld>
 </file>
 
@@ -10417,6 +10765,13 @@
   <p:clrMapOvr>
     <a:masterClrMapping/>
   </p:clrMapOvr>
+  <p:timing>
+    <p:tnLst>
+      <p:par>
+        <p:cTn id="1" dur="indefinite" restart="never" nodeType="tmRoot"/>
+      </p:par>
+    </p:tnLst>
+  </p:timing>
 </p:sld>
 </file>
 
@@ -10570,6 +10925,13 @@
   <p:clrMapOvr>
     <a:masterClrMapping/>
   </p:clrMapOvr>
+  <p:timing>
+    <p:tnLst>
+      <p:par>
+        <p:cTn id="1" dur="indefinite" restart="never" nodeType="tmRoot"/>
+      </p:par>
+    </p:tnLst>
+  </p:timing>
 </p:sld>
 </file>
 
@@ -11281,6 +11643,13 @@
   <p:clrMapOvr>
     <a:masterClrMapping/>
   </p:clrMapOvr>
+  <p:timing>
+    <p:tnLst>
+      <p:par>
+        <p:cTn id="1" dur="indefinite" restart="never" nodeType="tmRoot"/>
+      </p:par>
+    </p:tnLst>
+  </p:timing>
 </p:sld>
 </file>
 
@@ -11434,6 +11803,13 @@
   <p:clrMapOvr>
     <a:masterClrMapping/>
   </p:clrMapOvr>
+  <p:timing>
+    <p:tnLst>
+      <p:par>
+        <p:cTn id="1" dur="indefinite" restart="never" nodeType="tmRoot"/>
+      </p:par>
+    </p:tnLst>
+  </p:timing>
 </p:sld>
 </file>
 
@@ -12143,6 +12519,13 @@
   <p:clrMapOvr>
     <a:masterClrMapping/>
   </p:clrMapOvr>
+  <p:timing>
+    <p:tnLst>
+      <p:par>
+        <p:cTn id="1" dur="indefinite" restart="never" nodeType="tmRoot"/>
+      </p:par>
+    </p:tnLst>
+  </p:timing>
 </p:sld>
 </file>
 
@@ -12305,6 +12688,13 @@
   <p:clrMapOvr>
     <a:masterClrMapping/>
   </p:clrMapOvr>
+  <p:timing>
+    <p:tnLst>
+      <p:par>
+        <p:cTn id="1" dur="indefinite" restart="never" nodeType="tmRoot"/>
+      </p:par>
+    </p:tnLst>
+  </p:timing>
 </p:sld>
 </file>
 
@@ -13010,6 +13400,13 @@
   <p:clrMapOvr>
     <a:masterClrMapping/>
   </p:clrMapOvr>
+  <p:timing>
+    <p:tnLst>
+      <p:par>
+        <p:cTn id="1" dur="indefinite" restart="never" nodeType="tmRoot"/>
+      </p:par>
+    </p:tnLst>
+  </p:timing>
 </p:sld>
 </file>
 
@@ -13278,6 +13675,13 @@
   <p:clrMapOvr>
     <a:masterClrMapping/>
   </p:clrMapOvr>
+  <p:timing>
+    <p:tnLst>
+      <p:par>
+        <p:cTn id="1" dur="indefinite" restart="never" nodeType="tmRoot"/>
+      </p:par>
+    </p:tnLst>
+  </p:timing>
 </p:sld>
 </file>
 
@@ -13339,6 +13743,10 @@
             <a:br>
               <a:rPr lang="en-US" dirty="0"/>
             </a:br>
+            <a:r>
+              <a:rPr lang="en-US" dirty="0"/>
+              <a:t/>
+            </a:r>
             <a:br>
               <a:rPr lang="en-US" dirty="0"/>
             </a:br>
@@ -15042,6 +15450,13 @@
   <p:clrMapOvr>
     <a:masterClrMapping/>
   </p:clrMapOvr>
+  <p:timing>
+    <p:tnLst>
+      <p:par>
+        <p:cTn id="1" dur="indefinite" restart="never" nodeType="tmRoot"/>
+      </p:par>
+    </p:tnLst>
+  </p:timing>
 </p:sld>
 </file>
 
@@ -15087,7 +15502,7 @@
         </p:nvSpPr>
         <p:spPr>
           <a:xfrm>
-            <a:off x="657225" y="1220930"/>
+            <a:off x="657225" y="858073"/>
             <a:ext cx="7966168" cy="868174"/>
           </a:xfrm>
           <a:prstGeom prst="rect">
@@ -15197,7 +15612,7 @@
         <p:spPr>
           <a:xfrm>
             <a:off x="657225" y="2089104"/>
-            <a:ext cx="7659143" cy="1631216"/>
+            <a:ext cx="7659143" cy="2862322"/>
           </a:xfrm>
           <a:prstGeom prst="rect">
             <a:avLst/>
@@ -15289,9 +15704,28 @@
               <a:buFont typeface="Wingdings" panose="05000000000000000000" pitchFamily="2" charset="2"/>
               <a:buChar char="q"/>
             </a:pPr>
-            <a:endParaRPr lang="en-US" sz="2000" b="1" dirty="0">
+            <a:endParaRPr lang="en-US" sz="2000" b="1" dirty="0" smtClean="0">
               <a:latin typeface="Poppins" panose="020B0604020202020204" charset="0"/>
               <a:cs typeface="Poppins" panose="020B0604020202020204" charset="0"/>
+            </a:endParaRPr>
+          </a:p>
+          <a:p>
+            <a:r>
+              <a:rPr lang="en-US" sz="2000" b="1" dirty="0">
+                <a:solidFill>
+                  <a:srgbClr val="FFFFFF"/>
+                </a:solidFill>
+                <a:latin typeface="Poppins"/>
+                <a:cs typeface="Poppins"/>
+              </a:rPr>
+              <a:t>CONCLUSION: Based on our data and the variables chosen, we can reject the Null Hypothesis and accept the Hypothesis that there is a strong correlation between the Dependent and Independent variables. </a:t>
+            </a:r>
+            <a:endParaRPr lang="en-US" sz="2000" b="1" dirty="0">
+              <a:solidFill>
+                <a:srgbClr val="FFFFFF"/>
+              </a:solidFill>
+              <a:latin typeface="Poppins"/>
+              <a:cs typeface="Poppins"/>
             </a:endParaRPr>
           </a:p>
         </p:txBody>
@@ -15301,6 +15735,13 @@
   <p:clrMapOvr>
     <a:masterClrMapping/>
   </p:clrMapOvr>
+  <p:timing>
+    <p:tnLst>
+      <p:par>
+        <p:cTn id="1" dur="indefinite" restart="never" nodeType="tmRoot"/>
+      </p:par>
+    </p:tnLst>
+  </p:timing>
 </p:sld>
 </file>
 
@@ -15470,6 +15911,13 @@
   <p:clrMapOvr>
     <a:masterClrMapping/>
   </p:clrMapOvr>
+  <p:timing>
+    <p:tnLst>
+      <p:par>
+        <p:cTn id="1" dur="indefinite" restart="never" nodeType="tmRoot"/>
+      </p:par>
+    </p:tnLst>
+  </p:timing>
 </p:sld>
 </file>
 
@@ -15712,6 +16160,13 @@
   <p:clrMapOvr>
     <a:masterClrMapping/>
   </p:clrMapOvr>
+  <p:timing>
+    <p:tnLst>
+      <p:par>
+        <p:cTn id="1" dur="indefinite" restart="never" nodeType="tmRoot"/>
+      </p:par>
+    </p:tnLst>
+  </p:timing>
 </p:sld>
 </file>
 
@@ -15866,6 +16321,13 @@
   <p:clrMapOvr>
     <a:masterClrMapping/>
   </p:clrMapOvr>
+  <p:timing>
+    <p:tnLst>
+      <p:par>
+        <p:cTn id="1" dur="indefinite" restart="never" nodeType="tmRoot"/>
+      </p:par>
+    </p:tnLst>
+  </p:timing>
 </p:sld>
 </file>
 
@@ -16581,6 +17043,13 @@
   <p:clrMapOvr>
     <a:masterClrMapping/>
   </p:clrMapOvr>
+  <p:timing>
+    <p:tnLst>
+      <p:par>
+        <p:cTn id="1" dur="indefinite" restart="never" nodeType="tmRoot"/>
+      </p:par>
+    </p:tnLst>
+  </p:timing>
 </p:sld>
 </file>
 
@@ -16734,6 +17203,13 @@
   <p:clrMapOvr>
     <a:masterClrMapping/>
   </p:clrMapOvr>
+  <p:timing>
+    <p:tnLst>
+      <p:par>
+        <p:cTn id="1" dur="indefinite" restart="never" nodeType="tmRoot"/>
+      </p:par>
+    </p:tnLst>
+  </p:timing>
 </p:sld>
 </file>
 
@@ -17445,6 +17921,13 @@
   <p:clrMapOvr>
     <a:masterClrMapping/>
   </p:clrMapOvr>
+  <p:timing>
+    <p:tnLst>
+      <p:par>
+        <p:cTn id="1" dur="indefinite" restart="never" nodeType="tmRoot"/>
+      </p:par>
+    </p:tnLst>
+  </p:timing>
 </p:sld>
 </file>
 
@@ -17603,6 +18086,13 @@
   <p:clrMapOvr>
     <a:masterClrMapping/>
   </p:clrMapOvr>
+  <p:timing>
+    <p:tnLst>
+      <p:par>
+        <p:cTn id="1" dur="indefinite" restart="never" nodeType="tmRoot"/>
+      </p:par>
+    </p:tnLst>
+  </p:timing>
 </p:sld>
 </file>
 
@@ -18317,6 +18807,13 @@
   <p:clrMapOvr>
     <a:masterClrMapping/>
   </p:clrMapOvr>
+  <p:timing>
+    <p:tnLst>
+      <p:par>
+        <p:cTn id="1" dur="indefinite" restart="never" nodeType="tmRoot"/>
+      </p:par>
+    </p:tnLst>
+  </p:timing>
 </p:sld>
 </file>
 
